--- a/Apresentacao_Angular_Calendar.pptx
+++ b/Apresentacao_Angular_Calendar.pptx
@@ -4549,7 +4549,7 @@
         <p:spPr>
           <a:xfrm>
             <a:off x="585300" y="833718"/>
-            <a:ext cx="8247000" cy="4182035"/>
+            <a:ext cx="8247000" cy="4262717"/>
           </a:xfrm>
           <a:prstGeom prst="rect">
             <a:avLst/>
@@ -5153,11 +5153,10 @@
               <a:buChar char="●"/>
             </a:pPr>
             <a:r>
-              <a:rPr lang="pt-BR" b="0" dirty="0">
+              <a:rPr lang="pt-BR" dirty="0">
                 <a:solidFill>
                   <a:srgbClr val="D73628"/>
                 </a:solidFill>
-                <a:effectLst/>
                 <a:latin typeface="Roboto" panose="02000000000000000000" pitchFamily="2" charset="0"/>
                 <a:ea typeface="Roboto" panose="02000000000000000000" pitchFamily="2" charset="0"/>
                 <a:hlinkClick r:id="rId3">
@@ -5168,7 +5167,7 @@
                   </a:extLst>
                 </a:hlinkClick>
               </a:rPr>
-              <a:t>https://github.com/rocketseat-experts-club/angular-best-practices-2022-01-15/tree/template</a:t>
+              <a:t>https://github.com/rocketseat-experts-club/angular-calendar-2022-02-25/tree/template</a:t>
             </a:r>
             <a:endParaRPr lang="pt-BR" b="0" dirty="0">
               <a:solidFill>

--- a/Apresentacao_Angular_Calendar.pptx
+++ b/Apresentacao_Angular_Calendar.pptx
@@ -3953,7 +3953,7 @@
             </a:pPr>
             <a:r>
               <a:rPr lang="pt-BR" dirty="0"/>
-              <a:t>25/02/2022</a:t>
+              <a:t>01/03/2022</a:t>
             </a:r>
             <a:endParaRPr dirty="0"/>
           </a:p>
@@ -4313,7 +4313,7 @@
             </a:pPr>
             <a:r>
               <a:rPr lang="pt-BR" dirty="0"/>
-              <a:t>6 anos no mercado e 2 anos como instrutor;</a:t>
+              <a:t>7 anos no mercado e 2 anos como instrutor;</a:t>
             </a:r>
           </a:p>
           <a:p>

--- a/Apresentacao_Angular_Calendar.pptx
+++ b/Apresentacao_Angular_Calendar.pptx
@@ -5167,7 +5167,7 @@
                   </a:extLst>
                 </a:hlinkClick>
               </a:rPr>
-              <a:t>https://github.com/rocketseat-experts-club/angular-calendar-2022-02-25/tree/template</a:t>
+              <a:t>https://github.com/rocketseat-experts-club/angular-calendar-2022-03-01/tree/template</a:t>
             </a:r>
             <a:endParaRPr lang="pt-BR" b="0" dirty="0">
               <a:solidFill>
